--- a/Vortrag - Ergonomie am Arbeitsplatz.pptx
+++ b/Vortrag - Ergonomie am Arbeitsplatz.pptx
@@ -4200,7 +4200,7 @@
       </p:grpSpPr>
       <p:sp>
         <p:nvSpPr>
-          <p:cNvPr id="163" name="Slide bullet text"/>
+          <p:cNvPr id="163" name="Monitor senkrecht zu Fensterfronten…"/>
           <p:cNvSpPr txBox="1"/>
           <p:nvPr>
             <p:ph type="body" idx="1"/>
@@ -4216,6 +4216,57 @@
           <a:lstStyle/>
           <a:p>
             <a:pPr/>
+            <a:r>
+              <a:t>Monitor senkrecht zu Fensterfronten</a:t>
+            </a:r>
+          </a:p>
+          <a:p>
+            <a:pPr/>
+            <a:r>
+              <a:t>Reflexionen und Blendungen vermeiden</a:t>
+            </a:r>
+          </a:p>
+          <a:p>
+            <a:pPr/>
+            <a:r>
+              <a:t>Ausreichender Sehabstand (50-65cm)</a:t>
+            </a:r>
+          </a:p>
+          <a:p>
+            <a:pPr/>
+            <a:r>
+              <a:t>Tischhöhe mind. 74 +- 2cm</a:t>
+            </a:r>
+          </a:p>
+          <a:p>
+            <a:pPr/>
+            <a:r>
+              <a:t>Sitzhaltung häufig wechseln</a:t>
+            </a:r>
+          </a:p>
+          <a:p>
+            <a:pPr/>
+            <a:r>
+              <a:t>Armlehnen zur Entlastung der Schulter- und Nackenmuskulatur</a:t>
+            </a:r>
+          </a:p>
+          <a:p>
+            <a:pPr/>
+            <a:r>
+              <a:t>Große Arbeitsflächen</a:t>
+            </a:r>
+          </a:p>
+          <a:p>
+            <a:pPr/>
+            <a:r>
+              <a:t>Mind. 1,5m freie Bewegungsfläche</a:t>
+            </a:r>
+          </a:p>
+          <a:p>
+            <a:pPr/>
+            <a:r>
+              <a:t>Störende Geräusche meiden (max. 55dB(A) )</a:t>
+            </a:r>
           </a:p>
         </p:txBody>
       </p:sp>

--- a/Vortrag - Ergonomie am Arbeitsplatz.pptx
+++ b/Vortrag - Ergonomie am Arbeitsplatz.pptx
@@ -12,6 +12,10 @@
     <p:sldId id="257" r:id="rId9"/>
     <p:sldId id="258" r:id="rId10"/>
     <p:sldId id="259" r:id="rId11"/>
+    <p:sldId id="260" r:id="rId12"/>
+    <p:sldId id="261" r:id="rId13"/>
+    <p:sldId id="262" r:id="rId14"/>
+    <p:sldId id="263" r:id="rId15"/>
   </p:sldIdLst>
   <p:sldSz cx="24384000" cy="13716000"/>
   <p:notesSz cx="6858000" cy="9144000"/>
@@ -572,9 +576,6 @@
           <a:bodyPr anchor="b"/>
           <a:lstStyle>
             <a:lvl1pPr algn="ctr">
-              <a:lnSpc>
-                <a:spcPct val="200000"/>
-              </a:lnSpc>
               <a:defRPr b="0" spc="-232" sz="11600">
                 <a:latin typeface="+mj-lt"/>
                 <a:ea typeface="+mj-ea"/>
@@ -1638,9 +1639,6 @@
           <a:bodyPr anchor="b"/>
           <a:lstStyle>
             <a:lvl1pPr algn="ctr">
-              <a:lnSpc>
-                <a:spcPct val="200000"/>
-              </a:lnSpc>
               <a:defRPr b="0" spc="-232" sz="11600">
                 <a:latin typeface="+mj-lt"/>
                 <a:ea typeface="+mj-ea"/>
@@ -2540,6 +2538,9 @@
           <a:bodyPr anchor="ctr"/>
           <a:lstStyle>
             <a:lvl1pPr>
+              <a:lnSpc>
+                <a:spcPct val="80000"/>
+              </a:lnSpc>
               <a:defRPr b="0" spc="-232" sz="11600">
                 <a:latin typeface="Helvetica Neue Medium"/>
                 <a:ea typeface="Helvetica Neue Medium"/>
@@ -3115,7 +3116,7 @@
     <p:titleStyle>
       <a:lvl1pPr marL="0" marR="0" indent="0" algn="l" defTabSz="2438338" rtl="0" latinLnBrk="0">
         <a:lnSpc>
-          <a:spcPct val="80000"/>
+          <a:spcPct val="200000"/>
         </a:lnSpc>
         <a:spcBef>
           <a:spcPts val="0"/>
@@ -3141,7 +3142,7 @@
       </a:lvl1pPr>
       <a:lvl2pPr marL="0" marR="0" indent="457200" algn="l" defTabSz="2438338" rtl="0" latinLnBrk="0">
         <a:lnSpc>
-          <a:spcPct val="80000"/>
+          <a:spcPct val="200000"/>
         </a:lnSpc>
         <a:spcBef>
           <a:spcPts val="0"/>
@@ -3167,7 +3168,7 @@
       </a:lvl2pPr>
       <a:lvl3pPr marL="0" marR="0" indent="914400" algn="l" defTabSz="2438338" rtl="0" latinLnBrk="0">
         <a:lnSpc>
-          <a:spcPct val="80000"/>
+          <a:spcPct val="200000"/>
         </a:lnSpc>
         <a:spcBef>
           <a:spcPts val="0"/>
@@ -3193,7 +3194,7 @@
       </a:lvl3pPr>
       <a:lvl4pPr marL="0" marR="0" indent="1371600" algn="l" defTabSz="2438338" rtl="0" latinLnBrk="0">
         <a:lnSpc>
-          <a:spcPct val="80000"/>
+          <a:spcPct val="200000"/>
         </a:lnSpc>
         <a:spcBef>
           <a:spcPts val="0"/>
@@ -3219,7 +3220,7 @@
       </a:lvl4pPr>
       <a:lvl5pPr marL="0" marR="0" indent="1828800" algn="l" defTabSz="2438338" rtl="0" latinLnBrk="0">
         <a:lnSpc>
-          <a:spcPct val="80000"/>
+          <a:spcPct val="200000"/>
         </a:lnSpc>
         <a:spcBef>
           <a:spcPts val="0"/>
@@ -3245,7 +3246,7 @@
       </a:lvl5pPr>
       <a:lvl6pPr marL="0" marR="0" indent="2286000" algn="l" defTabSz="2438338" rtl="0" latinLnBrk="0">
         <a:lnSpc>
-          <a:spcPct val="80000"/>
+          <a:spcPct val="200000"/>
         </a:lnSpc>
         <a:spcBef>
           <a:spcPts val="0"/>
@@ -3271,7 +3272,7 @@
       </a:lvl6pPr>
       <a:lvl7pPr marL="0" marR="0" indent="2743200" algn="l" defTabSz="2438338" rtl="0" latinLnBrk="0">
         <a:lnSpc>
-          <a:spcPct val="80000"/>
+          <a:spcPct val="200000"/>
         </a:lnSpc>
         <a:spcBef>
           <a:spcPts val="0"/>
@@ -3297,7 +3298,7 @@
       </a:lvl7pPr>
       <a:lvl8pPr marL="0" marR="0" indent="3200400" algn="l" defTabSz="2438338" rtl="0" latinLnBrk="0">
         <a:lnSpc>
-          <a:spcPct val="80000"/>
+          <a:spcPct val="200000"/>
         </a:lnSpc>
         <a:spcBef>
           <a:spcPts val="0"/>
@@ -3323,7 +3324,7 @@
       </a:lvl8pPr>
       <a:lvl9pPr marL="0" marR="0" indent="3657600" algn="l" defTabSz="2438338" rtl="0" latinLnBrk="0">
         <a:lnSpc>
-          <a:spcPct val="80000"/>
+          <a:spcPct val="200000"/>
         </a:lnSpc>
         <a:spcBef>
           <a:spcPts val="0"/>
@@ -3905,7 +3906,7 @@
       </p:sp>
       <p:sp>
         <p:nvSpPr>
-          <p:cNvPr id="153" name="Ausrichtung und Anordnung des PC-Arbeitsplatzes"/>
+          <p:cNvPr id="153" name="Gestaltungsregeln für die Bildschirmarbeit"/>
           <p:cNvSpPr txBox="1"/>
           <p:nvPr>
             <p:ph type="subTitle" sz="quarter" idx="1"/>
@@ -3924,7 +3925,7 @@
           <a:p>
             <a:pPr/>
             <a:r>
-              <a:t>Ausrichtung und Anordnung des PC-Arbeitsplatzes</a:t>
+              <a:t>Gestaltungsregeln für die Bildschirmarbeit</a:t>
             </a:r>
           </a:p>
         </p:txBody>
@@ -3981,7 +3982,7 @@
       </p:sp>
       <p:sp>
         <p:nvSpPr>
-          <p:cNvPr id="156" name="Ausrichtung und Anordnung des PC-Arbeitsplatzes"/>
+          <p:cNvPr id="156" name="Gestaltungsregeln für die Bildschirmarbeit"/>
           <p:cNvSpPr txBox="1"/>
           <p:nvPr>
             <p:ph type="body" idx="21"/>
@@ -4005,14 +4006,14 @@
           <a:p>
             <a:pPr/>
             <a:r>
-              <a:t>Ausrichtung und Anordnung des PC-Arbeitsplatzes</a:t>
+              <a:t>Gestaltungsregeln für die Bildschirmarbeit</a:t>
             </a:r>
           </a:p>
         </p:txBody>
       </p:sp>
       <p:sp>
         <p:nvSpPr>
-          <p:cNvPr id="157" name="Warum ist die korrekte Ausrichtung wichtig?…"/>
+          <p:cNvPr id="157" name="Der Bildschirm…"/>
           <p:cNvSpPr txBox="1"/>
           <p:nvPr>
             <p:ph type="body" idx="1"/>
@@ -4035,9 +4036,6 @@
               <a:buSzPct val="123000"/>
               <a:buChar char="•"/>
             </a:pPr>
-            <a:r>
-              <a:t>Warum ist die korrekte Ausrichtung wichtig?</a:t>
-            </a:r>
           </a:p>
           <a:p>
             <a:pPr marL="698500" indent="-698500">
@@ -4045,7 +4043,7 @@
               <a:buChar char="•"/>
             </a:pPr>
             <a:r>
-              <a:t>Elemente des ergonomischen Arbeitsplatzes</a:t>
+              <a:t>Der Bildschirm</a:t>
             </a:r>
           </a:p>
           <a:p>
@@ -4054,7 +4052,7 @@
               <a:buChar char="•"/>
             </a:pPr>
             <a:r>
-              <a:t>Wie sieht ein richtig angeordneter Arbeitsplatz aus?</a:t>
+              <a:t>Der Arbeitsplatz</a:t>
             </a:r>
           </a:p>
         </p:txBody>
@@ -4125,7 +4123,7 @@
         <p:spPr>
           <a:xfrm>
             <a:off x="1206500" y="1270000"/>
-            <a:ext cx="9779000" cy="2743955"/>
+            <a:ext cx="9779000" cy="3188108"/>
           </a:xfrm>
           <a:prstGeom prst="rect">
             <a:avLst/>
@@ -4146,16 +4144,16 @@
       </p:sp>
       <p:sp>
         <p:nvSpPr>
-          <p:cNvPr id="161" name="Ein falsch eingerichteter oder ausgerichteter Arbeitsplatz kann eine Gefahr für die Gesundheit darstellen!"/>
+          <p:cNvPr id="161" name="So nicht!"/>
           <p:cNvSpPr txBox="1"/>
           <p:nvPr>
-            <p:ph type="body" sz="half" idx="1"/>
+            <p:ph type="body" sz="quarter" idx="1"/>
           </p:nvPr>
         </p:nvSpPr>
         <p:spPr>
           <a:xfrm>
-            <a:off x="1206499" y="5424931"/>
-            <a:ext cx="9779002" cy="7017545"/>
+            <a:off x="1219200" y="7057052"/>
+            <a:ext cx="9779000" cy="5385424"/>
           </a:xfrm>
           <a:prstGeom prst="rect">
             <a:avLst/>
@@ -4163,11 +4161,13 @@
         </p:spPr>
         <p:txBody>
           <a:bodyPr/>
-          <a:lstStyle/>
-          <a:p>
-            <a:pPr/>
-            <a:r>
-              <a:t>Ein falsch eingerichteter oder ausgerichteter Arbeitsplatz kann eine Gefahr für die Gesundheit darstellen!</a:t>
+          <a:lstStyle>
+            <a:lvl1pPr algn="ctr"/>
+          </a:lstStyle>
+          <a:p>
+            <a:pPr/>
+            <a:r>
+              <a:t>So nicht!</a:t>
             </a:r>
           </a:p>
         </p:txBody>
@@ -4198,9 +4198,433 @@
           <a:chExt cx="0" cy="0"/>
         </a:xfrm>
       </p:grpSpPr>
+      <p:pic>
+        <p:nvPicPr>
+          <p:cNvPr id="163" name="page9image8493984.png" descr="page9image8493984.png"/>
+          <p:cNvPicPr>
+            <a:picLocks noChangeAspect="1"/>
+          </p:cNvPicPr>
+          <p:nvPr/>
+        </p:nvPicPr>
+        <p:blipFill>
+          <a:blip r:embed="rId2">
+            <a:extLst/>
+          </a:blip>
+          <a:stretch>
+            <a:fillRect/>
+          </a:stretch>
+        </p:blipFill>
+        <p:spPr>
+          <a:xfrm>
+            <a:off x="15896736" y="261842"/>
+            <a:ext cx="7117792" cy="6555861"/>
+          </a:xfrm>
+          <a:prstGeom prst="rect">
+            <a:avLst/>
+          </a:prstGeom>
+          <a:ln w="12700">
+            <a:miter lim="400000"/>
+          </a:ln>
+        </p:spPr>
+      </p:pic>
       <p:sp>
         <p:nvSpPr>
-          <p:cNvPr id="163" name="Monitor senkrecht zu Fensterfronten…"/>
+          <p:cNvPr id="164" name="Text"/>
+          <p:cNvSpPr txBox="1"/>
+          <p:nvPr/>
+        </p:nvSpPr>
+        <p:spPr>
+          <a:xfrm>
+            <a:off x="10985499" y="5070189"/>
+            <a:ext cx="247651" cy="1574801"/>
+          </a:xfrm>
+          <a:prstGeom prst="rect">
+            <a:avLst/>
+          </a:prstGeom>
+          <a:ln w="12700">
+            <a:miter lim="400000"/>
+          </a:ln>
+          <a:extLst>
+            <a:ext uri="{C572A759-6A51-4108-AA02-DFA0A04FC94B}">
+              <ma14:wrappingTextBoxFlag xmlns:ma14="http://schemas.microsoft.com/office/mac/drawingml/2011/main" val="1"/>
+            </a:ext>
+          </a:extLst>
+        </p:spPr>
+        <p:txBody>
+          <a:bodyPr wrap="none" lIns="50800" tIns="50800" rIns="50800" bIns="50800" anchor="ctr">
+            <a:spAutoFit/>
+          </a:bodyPr>
+          <a:lstStyle>
+            <a:lvl1pPr algn="l" defTabSz="457200">
+              <a:spcBef>
+                <a:spcPts val="1200"/>
+              </a:spcBef>
+              <a:defRPr sz="4200">
+                <a:solidFill>
+                  <a:srgbClr val="004F90"/>
+                </a:solidFill>
+                <a:latin typeface="Times Roman"/>
+                <a:ea typeface="Times Roman"/>
+                <a:cs typeface="Times Roman"/>
+                <a:sym typeface="Times Roman"/>
+              </a:defRPr>
+            </a:lvl1pPr>
+          </a:lstStyle>
+          <a:p>
+            <a:pPr/>
+            <a:r>
+              <a:t> </a:t>
+            </a:r>
+          </a:p>
+        </p:txBody>
+      </p:sp>
+      <p:pic>
+        <p:nvPicPr>
+          <p:cNvPr id="165" name="page9image8492112.png" descr="page9image8492112.png"/>
+          <p:cNvPicPr>
+            <a:picLocks noChangeAspect="1"/>
+          </p:cNvPicPr>
+          <p:nvPr/>
+        </p:nvPicPr>
+        <p:blipFill>
+          <a:blip r:embed="rId3">
+            <a:extLst/>
+          </a:blip>
+          <a:stretch>
+            <a:fillRect/>
+          </a:stretch>
+        </p:blipFill>
+        <p:spPr>
+          <a:xfrm>
+            <a:off x="16453213" y="6868829"/>
+            <a:ext cx="6005001" cy="5864122"/>
+          </a:xfrm>
+          <a:prstGeom prst="rect">
+            <a:avLst/>
+          </a:prstGeom>
+          <a:ln w="12700">
+            <a:miter lim="400000"/>
+          </a:ln>
+        </p:spPr>
+      </p:pic>
+      <p:sp>
+        <p:nvSpPr>
+          <p:cNvPr id="166" name="Text"/>
+          <p:cNvSpPr txBox="1"/>
+          <p:nvPr/>
+        </p:nvSpPr>
+        <p:spPr>
+          <a:xfrm>
+            <a:off x="16453213" y="8805431"/>
+            <a:ext cx="247651" cy="1574801"/>
+          </a:xfrm>
+          <a:prstGeom prst="rect">
+            <a:avLst/>
+          </a:prstGeom>
+          <a:ln w="12700">
+            <a:miter lim="400000"/>
+          </a:ln>
+          <a:extLst>
+            <a:ext uri="{C572A759-6A51-4108-AA02-DFA0A04FC94B}">
+              <ma14:wrappingTextBoxFlag xmlns:ma14="http://schemas.microsoft.com/office/mac/drawingml/2011/main" val="1"/>
+            </a:ext>
+          </a:extLst>
+        </p:spPr>
+        <p:txBody>
+          <a:bodyPr wrap="none" lIns="50800" tIns="50800" rIns="50800" bIns="50800" anchor="ctr">
+            <a:spAutoFit/>
+          </a:bodyPr>
+          <a:lstStyle>
+            <a:lvl1pPr algn="l" defTabSz="457200">
+              <a:spcBef>
+                <a:spcPts val="1200"/>
+              </a:spcBef>
+              <a:defRPr sz="4200">
+                <a:solidFill>
+                  <a:srgbClr val="004F90"/>
+                </a:solidFill>
+                <a:latin typeface="Times Roman"/>
+                <a:ea typeface="Times Roman"/>
+                <a:cs typeface="Times Roman"/>
+                <a:sym typeface="Times Roman"/>
+              </a:defRPr>
+            </a:lvl1pPr>
+          </a:lstStyle>
+          <a:p>
+            <a:pPr/>
+            <a:r>
+              <a:t> </a:t>
+            </a:r>
+          </a:p>
+        </p:txBody>
+      </p:sp>
+      <p:pic>
+        <p:nvPicPr>
+          <p:cNvPr id="167" name="page9image8502096.png" descr="page9image8502096.png"/>
+          <p:cNvPicPr>
+            <a:picLocks noChangeAspect="1"/>
+          </p:cNvPicPr>
+          <p:nvPr/>
+        </p:nvPicPr>
+        <p:blipFill>
+          <a:blip r:embed="rId4">
+            <a:extLst/>
+          </a:blip>
+          <a:stretch>
+            <a:fillRect/>
+          </a:stretch>
+        </p:blipFill>
+        <p:spPr>
+          <a:xfrm>
+            <a:off x="403083" y="1001375"/>
+            <a:ext cx="15184896" cy="11759730"/>
+          </a:xfrm>
+          <a:prstGeom prst="rect">
+            <a:avLst/>
+          </a:prstGeom>
+          <a:ln w="12700">
+            <a:miter lim="400000"/>
+          </a:ln>
+        </p:spPr>
+      </p:pic>
+      <p:sp>
+        <p:nvSpPr>
+          <p:cNvPr id="168" name="Text"/>
+          <p:cNvSpPr txBox="1"/>
+          <p:nvPr/>
+        </p:nvSpPr>
+        <p:spPr>
+          <a:xfrm>
+            <a:off x="1289690" y="9357504"/>
+            <a:ext cx="247651" cy="1574801"/>
+          </a:xfrm>
+          <a:prstGeom prst="rect">
+            <a:avLst/>
+          </a:prstGeom>
+          <a:ln w="12700">
+            <a:miter lim="400000"/>
+          </a:ln>
+          <a:extLst>
+            <a:ext uri="{C572A759-6A51-4108-AA02-DFA0A04FC94B}">
+              <ma14:wrappingTextBoxFlag xmlns:ma14="http://schemas.microsoft.com/office/mac/drawingml/2011/main" val="1"/>
+            </a:ext>
+          </a:extLst>
+        </p:spPr>
+        <p:txBody>
+          <a:bodyPr wrap="none" lIns="50800" tIns="50800" rIns="50800" bIns="50800" anchor="ctr">
+            <a:spAutoFit/>
+          </a:bodyPr>
+          <a:lstStyle>
+            <a:lvl1pPr algn="l" defTabSz="457200">
+              <a:spcBef>
+                <a:spcPts val="1200"/>
+              </a:spcBef>
+              <a:defRPr sz="4200">
+                <a:solidFill>
+                  <a:srgbClr val="004F90"/>
+                </a:solidFill>
+                <a:latin typeface="Times Roman"/>
+                <a:ea typeface="Times Roman"/>
+                <a:cs typeface="Times Roman"/>
+                <a:sym typeface="Times Roman"/>
+              </a:defRPr>
+            </a:lvl1pPr>
+          </a:lstStyle>
+          <a:p>
+            <a:pPr/>
+            <a:r>
+              <a:t> </a:t>
+            </a:r>
+          </a:p>
+        </p:txBody>
+      </p:sp>
+    </p:spTree>
+  </p:cSld>
+  <p:clrMapOvr>
+    <a:masterClrMapping/>
+  </p:clrMapOvr>
+  <p:transition xmlns:p14="http://schemas.microsoft.com/office/powerpoint/2010/main" spd="med" advClick="1"/>
+</p:sld>
+</file>
+
+<file path=ppt/slides/slide5.xml><?xml version="1.0" encoding="utf-8"?>
+<p:sld xmlns:a="http://schemas.openxmlformats.org/drawingml/2006/main" xmlns:r="http://schemas.openxmlformats.org/officeDocument/2006/relationships" xmlns:p="http://schemas.openxmlformats.org/presentationml/2006/main" xmlns:m="http://schemas.openxmlformats.org/officeDocument/2006/math" xmlns:a14="http://schemas.microsoft.com/office/drawing/2010/main" showMasterSp="1" showMasterPhAnim="1">
+  <p:cSld>
+    <p:spTree>
+      <p:nvGrpSpPr>
+        <p:cNvPr id="1" name=""/>
+        <p:cNvGrpSpPr/>
+        <p:nvPr/>
+      </p:nvGrpSpPr>
+      <p:grpSpPr>
+        <a:xfrm>
+          <a:off x="0" y="0"/>
+          <a:ext cx="0" cy="0"/>
+          <a:chOff x="0" y="0"/>
+          <a:chExt cx="0" cy="0"/>
+        </a:xfrm>
+      </p:grpSpPr>
+      <p:pic>
+        <p:nvPicPr>
+          <p:cNvPr id="170" name="page19image8860048.png" descr="page19image8860048.png"/>
+          <p:cNvPicPr>
+            <a:picLocks noChangeAspect="1"/>
+          </p:cNvPicPr>
+          <p:nvPr/>
+        </p:nvPicPr>
+        <p:blipFill>
+          <a:blip r:embed="rId2">
+            <a:extLst/>
+          </a:blip>
+          <a:srcRect l="0" t="0" r="0" b="0"/>
+          <a:stretch>
+            <a:fillRect/>
+          </a:stretch>
+        </p:blipFill>
+        <p:spPr>
+          <a:xfrm>
+            <a:off x="3864371" y="-84138"/>
+            <a:ext cx="16655281" cy="13884420"/>
+          </a:xfrm>
+          <a:prstGeom prst="rect">
+            <a:avLst/>
+          </a:prstGeom>
+          <a:ln w="12700">
+            <a:miter lim="400000"/>
+          </a:ln>
+        </p:spPr>
+      </p:pic>
+      <p:sp>
+        <p:nvSpPr>
+          <p:cNvPr id="171" name="Text"/>
+          <p:cNvSpPr txBox="1"/>
+          <p:nvPr/>
+        </p:nvSpPr>
+        <p:spPr>
+          <a:xfrm>
+            <a:off x="441714" y="3257549"/>
+            <a:ext cx="247651" cy="1574801"/>
+          </a:xfrm>
+          <a:prstGeom prst="rect">
+            <a:avLst/>
+          </a:prstGeom>
+          <a:ln w="12700">
+            <a:miter lim="400000"/>
+          </a:ln>
+          <a:extLst>
+            <a:ext uri="{C572A759-6A51-4108-AA02-DFA0A04FC94B}">
+              <ma14:wrappingTextBoxFlag xmlns:ma14="http://schemas.microsoft.com/office/mac/drawingml/2011/main" val="1"/>
+            </a:ext>
+          </a:extLst>
+        </p:spPr>
+        <p:txBody>
+          <a:bodyPr wrap="none" lIns="50800" tIns="50800" rIns="50800" bIns="50800" anchor="ctr">
+            <a:spAutoFit/>
+          </a:bodyPr>
+          <a:lstStyle>
+            <a:lvl1pPr algn="l" defTabSz="457200">
+              <a:spcBef>
+                <a:spcPts val="1200"/>
+              </a:spcBef>
+              <a:defRPr sz="4200">
+                <a:solidFill>
+                  <a:srgbClr val="004F90"/>
+                </a:solidFill>
+                <a:latin typeface="Times Roman"/>
+                <a:ea typeface="Times Roman"/>
+                <a:cs typeface="Times Roman"/>
+                <a:sym typeface="Times Roman"/>
+              </a:defRPr>
+            </a:lvl1pPr>
+          </a:lstStyle>
+          <a:p>
+            <a:pPr/>
+            <a:r>
+              <a:t> </a:t>
+            </a:r>
+          </a:p>
+        </p:txBody>
+      </p:sp>
+      <p:sp>
+        <p:nvSpPr>
+          <p:cNvPr id="172" name="Text"/>
+          <p:cNvSpPr txBox="1"/>
+          <p:nvPr/>
+        </p:nvSpPr>
+        <p:spPr>
+          <a:xfrm>
+            <a:off x="8096249" y="3654139"/>
+            <a:ext cx="247651" cy="1574801"/>
+          </a:xfrm>
+          <a:prstGeom prst="rect">
+            <a:avLst/>
+          </a:prstGeom>
+          <a:ln w="12700">
+            <a:miter lim="400000"/>
+          </a:ln>
+          <a:extLst>
+            <a:ext uri="{C572A759-6A51-4108-AA02-DFA0A04FC94B}">
+              <ma14:wrappingTextBoxFlag xmlns:ma14="http://schemas.microsoft.com/office/mac/drawingml/2011/main" val="1"/>
+            </a:ext>
+          </a:extLst>
+        </p:spPr>
+        <p:txBody>
+          <a:bodyPr wrap="none" lIns="50800" tIns="50800" rIns="50800" bIns="50800" anchor="ctr">
+            <a:spAutoFit/>
+          </a:bodyPr>
+          <a:lstStyle>
+            <a:lvl1pPr algn="l" defTabSz="457200">
+              <a:spcBef>
+                <a:spcPts val="1200"/>
+              </a:spcBef>
+              <a:defRPr sz="4200">
+                <a:solidFill>
+                  <a:srgbClr val="004F90"/>
+                </a:solidFill>
+                <a:latin typeface="Times Roman"/>
+                <a:ea typeface="Times Roman"/>
+                <a:cs typeface="Times Roman"/>
+                <a:sym typeface="Times Roman"/>
+              </a:defRPr>
+            </a:lvl1pPr>
+          </a:lstStyle>
+          <a:p>
+            <a:pPr/>
+            <a:r>
+              <a:t> </a:t>
+            </a:r>
+          </a:p>
+        </p:txBody>
+      </p:sp>
+    </p:spTree>
+  </p:cSld>
+  <p:clrMapOvr>
+    <a:masterClrMapping/>
+  </p:clrMapOvr>
+  <p:transition xmlns:p14="http://schemas.microsoft.com/office/powerpoint/2010/main" spd="med" advClick="1"/>
+</p:sld>
+</file>
+
+<file path=ppt/slides/slide6.xml><?xml version="1.0" encoding="utf-8"?>
+<p:sld xmlns:a="http://schemas.openxmlformats.org/drawingml/2006/main" xmlns:r="http://schemas.openxmlformats.org/officeDocument/2006/relationships" xmlns:p="http://schemas.openxmlformats.org/presentationml/2006/main" xmlns:m="http://schemas.openxmlformats.org/officeDocument/2006/math" xmlns:a14="http://schemas.microsoft.com/office/drawing/2010/main" showMasterSp="1" showMasterPhAnim="1">
+  <p:cSld>
+    <p:spTree>
+      <p:nvGrpSpPr>
+        <p:cNvPr id="1" name=""/>
+        <p:cNvGrpSpPr/>
+        <p:nvPr/>
+      </p:nvGrpSpPr>
+      <p:grpSpPr>
+        <a:xfrm>
+          <a:off x="0" y="0"/>
+          <a:ext cx="0" cy="0"/>
+          <a:chOff x="0" y="0"/>
+          <a:chExt cx="0" cy="0"/>
+        </a:xfrm>
+      </p:grpSpPr>
+      <p:sp>
+        <p:nvSpPr>
+          <p:cNvPr id="174" name="Monitor senkrecht zu Fensterfronten…"/>
           <p:cNvSpPr txBox="1"/>
           <p:nvPr>
             <p:ph type="body" idx="1"/>
@@ -4266,6 +4690,357 @@
             <a:pPr/>
             <a:r>
               <a:t>Störende Geräusche meiden (max. 55dB(A) )</a:t>
+            </a:r>
+          </a:p>
+        </p:txBody>
+      </p:sp>
+    </p:spTree>
+  </p:cSld>
+  <p:clrMapOvr>
+    <a:masterClrMapping/>
+  </p:clrMapOvr>
+  <p:transition xmlns:p14="http://schemas.microsoft.com/office/powerpoint/2010/main" spd="med" advClick="1"/>
+</p:sld>
+</file>
+
+<file path=ppt/slides/slide7.xml><?xml version="1.0" encoding="utf-8"?>
+<p:sld xmlns:a="http://schemas.openxmlformats.org/drawingml/2006/main" xmlns:r="http://schemas.openxmlformats.org/officeDocument/2006/relationships" xmlns:p="http://schemas.openxmlformats.org/presentationml/2006/main" xmlns:m="http://schemas.openxmlformats.org/officeDocument/2006/math" xmlns:a14="http://schemas.microsoft.com/office/drawing/2010/main" showMasterSp="1" showMasterPhAnim="1">
+  <p:cSld>
+    <p:spTree>
+      <p:nvGrpSpPr>
+        <p:cNvPr id="1" name=""/>
+        <p:cNvGrpSpPr/>
+        <p:nvPr/>
+      </p:nvGrpSpPr>
+      <p:grpSpPr>
+        <a:xfrm>
+          <a:off x="0" y="0"/>
+          <a:ext cx="0" cy="0"/>
+          <a:chOff x="0" y="0"/>
+          <a:chExt cx="0" cy="0"/>
+        </a:xfrm>
+      </p:grpSpPr>
+      <p:sp>
+        <p:nvSpPr>
+          <p:cNvPr id="176" name="So ist es richtig!"/>
+          <p:cNvSpPr txBox="1"/>
+          <p:nvPr>
+            <p:ph type="title"/>
+          </p:nvPr>
+        </p:nvSpPr>
+        <p:spPr>
+          <a:prstGeom prst="rect">
+            <a:avLst/>
+          </a:prstGeom>
+        </p:spPr>
+        <p:txBody>
+          <a:bodyPr/>
+          <a:lstStyle/>
+          <a:p>
+            <a:pPr/>
+            <a:r>
+              <a:t>So ist es richtig!</a:t>
+            </a:r>
+          </a:p>
+        </p:txBody>
+      </p:sp>
+      <p:sp>
+        <p:nvSpPr>
+          <p:cNvPr id="177" name="Körperhaltung am Arbeitsplatz"/>
+          <p:cNvSpPr txBox="1"/>
+          <p:nvPr>
+            <p:ph type="body" sz="quarter" idx="1"/>
+          </p:nvPr>
+        </p:nvSpPr>
+        <p:spPr>
+          <a:prstGeom prst="rect">
+            <a:avLst/>
+          </a:prstGeom>
+        </p:spPr>
+        <p:txBody>
+          <a:bodyPr/>
+          <a:lstStyle/>
+          <a:p>
+            <a:pPr/>
+            <a:r>
+              <a:t>Körperhaltung am Arbeitsplatz</a:t>
+            </a:r>
+          </a:p>
+        </p:txBody>
+      </p:sp>
+      <p:pic>
+        <p:nvPicPr>
+          <p:cNvPr id="178" name="page13image8512448.png" descr="page13image8512448.png"/>
+          <p:cNvPicPr>
+            <a:picLocks noChangeAspect="1"/>
+          </p:cNvPicPr>
+          <p:nvPr/>
+        </p:nvPicPr>
+        <p:blipFill>
+          <a:blip r:embed="rId2">
+            <a:extLst/>
+          </a:blip>
+          <a:stretch>
+            <a:fillRect/>
+          </a:stretch>
+        </p:blipFill>
+        <p:spPr>
+          <a:xfrm>
+            <a:off x="12666977" y="857422"/>
+            <a:ext cx="10654492" cy="12001156"/>
+          </a:xfrm>
+          <a:prstGeom prst="rect">
+            <a:avLst/>
+          </a:prstGeom>
+          <a:ln w="12700">
+            <a:miter lim="400000"/>
+          </a:ln>
+        </p:spPr>
+      </p:pic>
+      <p:sp>
+        <p:nvSpPr>
+          <p:cNvPr id="179" name="Text"/>
+          <p:cNvSpPr txBox="1"/>
+          <p:nvPr/>
+        </p:nvSpPr>
+        <p:spPr>
+          <a:xfrm>
+            <a:off x="16071850" y="4387849"/>
+            <a:ext cx="247650" cy="1574801"/>
+          </a:xfrm>
+          <a:prstGeom prst="rect">
+            <a:avLst/>
+          </a:prstGeom>
+          <a:ln w="12700">
+            <a:miter lim="400000"/>
+          </a:ln>
+          <a:extLst>
+            <a:ext uri="{C572A759-6A51-4108-AA02-DFA0A04FC94B}">
+              <ma14:wrappingTextBoxFlag xmlns:ma14="http://schemas.microsoft.com/office/mac/drawingml/2011/main" val="1"/>
+            </a:ext>
+          </a:extLst>
+        </p:spPr>
+        <p:txBody>
+          <a:bodyPr wrap="none" lIns="50800" tIns="50800" rIns="50800" bIns="50800" anchor="ctr">
+            <a:spAutoFit/>
+          </a:bodyPr>
+          <a:lstStyle>
+            <a:lvl1pPr algn="l" defTabSz="457200">
+              <a:spcBef>
+                <a:spcPts val="1200"/>
+              </a:spcBef>
+              <a:defRPr sz="4200">
+                <a:solidFill>
+                  <a:srgbClr val="004F90"/>
+                </a:solidFill>
+                <a:latin typeface="Times Roman"/>
+                <a:ea typeface="Times Roman"/>
+                <a:cs typeface="Times Roman"/>
+                <a:sym typeface="Times Roman"/>
+              </a:defRPr>
+            </a:lvl1pPr>
+          </a:lstStyle>
+          <a:p>
+            <a:pPr/>
+            <a:r>
+              <a:t> </a:t>
+            </a:r>
+          </a:p>
+        </p:txBody>
+      </p:sp>
+    </p:spTree>
+  </p:cSld>
+  <p:clrMapOvr>
+    <a:masterClrMapping/>
+  </p:clrMapOvr>
+  <p:transition xmlns:p14="http://schemas.microsoft.com/office/powerpoint/2010/main" spd="med" advClick="1"/>
+</p:sld>
+</file>
+
+<file path=ppt/slides/slide8.xml><?xml version="1.0" encoding="utf-8"?>
+<p:sld xmlns:a="http://schemas.openxmlformats.org/drawingml/2006/main" xmlns:r="http://schemas.openxmlformats.org/officeDocument/2006/relationships" xmlns:p="http://schemas.openxmlformats.org/presentationml/2006/main" xmlns:m="http://schemas.openxmlformats.org/officeDocument/2006/math" xmlns:a14="http://schemas.microsoft.com/office/drawing/2010/main" showMasterSp="1" showMasterPhAnim="1">
+  <p:cSld>
+    <p:spTree>
+      <p:nvGrpSpPr>
+        <p:cNvPr id="1" name=""/>
+        <p:cNvGrpSpPr/>
+        <p:nvPr/>
+      </p:nvGrpSpPr>
+      <p:grpSpPr>
+        <a:xfrm>
+          <a:off x="0" y="0"/>
+          <a:ext cx="0" cy="0"/>
+          <a:chOff x="0" y="0"/>
+          <a:chExt cx="0" cy="0"/>
+        </a:xfrm>
+      </p:grpSpPr>
+      <p:sp>
+        <p:nvSpPr>
+          <p:cNvPr id="181" name="Quellenangaben"/>
+          <p:cNvSpPr txBox="1"/>
+          <p:nvPr>
+            <p:ph type="title"/>
+          </p:nvPr>
+        </p:nvSpPr>
+        <p:spPr>
+          <a:prstGeom prst="rect">
+            <a:avLst/>
+          </a:prstGeom>
+        </p:spPr>
+        <p:txBody>
+          <a:bodyPr/>
+          <a:lstStyle/>
+          <a:p>
+            <a:pPr/>
+            <a:r>
+              <a:t>Quellenangaben</a:t>
+            </a:r>
+          </a:p>
+        </p:txBody>
+      </p:sp>
+      <p:sp>
+        <p:nvSpPr>
+          <p:cNvPr id="182" name="Arbeitssicherheitsunterweisung der Goethe Universität Frankfurt am Main…"/>
+          <p:cNvSpPr txBox="1"/>
+          <p:nvPr>
+            <p:ph type="body" idx="1"/>
+          </p:nvPr>
+        </p:nvSpPr>
+        <p:spPr>
+          <a:prstGeom prst="rect">
+            <a:avLst/>
+          </a:prstGeom>
+        </p:spPr>
+        <p:txBody>
+          <a:bodyPr/>
+          <a:lstStyle/>
+          <a:p>
+            <a:pPr marL="0" indent="0" defTabSz="457200">
+              <a:lnSpc>
+                <a:spcPct val="100000"/>
+              </a:lnSpc>
+              <a:spcBef>
+                <a:spcPts val="1200"/>
+              </a:spcBef>
+              <a:buSzTx/>
+              <a:buNone/>
+              <a:defRPr sz="4200">
+                <a:solidFill>
+                  <a:srgbClr val="004F90"/>
+                </a:solidFill>
+              </a:defRPr>
+            </a:pPr>
+            <a:endParaRPr>
+              <a:solidFill>
+                <a:srgbClr val="000000"/>
+              </a:solidFill>
+            </a:endParaRPr>
+          </a:p>
+          <a:p>
+            <a:pPr marL="228600" indent="-228600" defTabSz="457200">
+              <a:lnSpc>
+                <a:spcPct val="100000"/>
+              </a:lnSpc>
+              <a:spcBef>
+                <a:spcPts val="1200"/>
+              </a:spcBef>
+              <a:buSzPct val="100000"/>
+              <a:defRPr sz="4200">
+                <a:solidFill>
+                  <a:srgbClr val="004F90"/>
+                </a:solidFill>
+              </a:defRPr>
+            </a:pPr>
+            <a:r>
+              <a:rPr>
+                <a:solidFill>
+                  <a:srgbClr val="000000"/>
+                </a:solidFill>
+              </a:rPr>
+              <a:t>Arbeitssicherheitsunterweisung der Goethe Universität Frankfurt am Main</a:t>
+            </a:r>
+            <a:endParaRPr>
+              <a:solidFill>
+                <a:srgbClr val="000000"/>
+              </a:solidFill>
+            </a:endParaRPr>
+          </a:p>
+          <a:p>
+            <a:pPr marL="228600" indent="-228600" defTabSz="457200">
+              <a:lnSpc>
+                <a:spcPct val="100000"/>
+              </a:lnSpc>
+              <a:spcBef>
+                <a:spcPts val="1200"/>
+              </a:spcBef>
+              <a:buSzPct val="100000"/>
+              <a:defRPr sz="4200">
+                <a:solidFill>
+                  <a:srgbClr val="004F90"/>
+                </a:solidFill>
+              </a:defRPr>
+            </a:pPr>
+            <a:r>
+              <a:rPr u="sng">
+                <a:hlinkClick r:id="rId2" invalidUrl="" action="" tgtFrame="" tooltip="" history="1" highlightClick="0" endSnd="0"/>
+              </a:rPr>
+              <a:t>https://www.eizo.de/praxiswissen/arbeitsplatzergonomie/ergonomie-am-bildschirmarbeitsplatz/</a:t>
+            </a:r>
+            <a:endParaRPr>
+              <a:solidFill>
+                <a:srgbClr val="000000"/>
+              </a:solidFill>
+            </a:endParaRPr>
+          </a:p>
+          <a:p>
+            <a:pPr marL="228600" indent="-228600" defTabSz="457200">
+              <a:lnSpc>
+                <a:spcPct val="100000"/>
+              </a:lnSpc>
+              <a:spcBef>
+                <a:spcPts val="1200"/>
+              </a:spcBef>
+              <a:buSzPct val="100000"/>
+              <a:defRPr sz="4200">
+                <a:solidFill>
+                  <a:srgbClr val="004F90"/>
+                </a:solidFill>
+              </a:defRPr>
+            </a:pPr>
+            <a:r>
+              <a:rPr u="sng">
+                <a:hlinkClick r:id="rId3" invalidUrl="" action="" tgtFrame="" tooltip="" history="1" highlightClick="0" endSnd="0"/>
+              </a:rPr>
+              <a:t>https://www.dguv.de/medien/iag/praxisfelder/dokumente/ergonomie-buero.pdf</a:t>
+            </a:r>
+            <a:endParaRPr>
+              <a:solidFill>
+                <a:srgbClr val="000000"/>
+              </a:solidFill>
+            </a:endParaRPr>
+          </a:p>
+          <a:p>
+            <a:pPr marL="228600" indent="-228600" defTabSz="457200">
+              <a:lnSpc>
+                <a:spcPct val="100000"/>
+              </a:lnSpc>
+              <a:spcBef>
+                <a:spcPts val="1200"/>
+              </a:spcBef>
+              <a:buSzPct val="100000"/>
+              <a:defRPr sz="4200">
+                <a:solidFill>
+                  <a:srgbClr val="004F90"/>
+                </a:solidFill>
+              </a:defRPr>
+            </a:pPr>
+            <a:r>
+              <a:rPr>
+                <a:solidFill>
+                  <a:srgbClr val="000000"/>
+                </a:solidFill>
+              </a:rPr>
+              <a:t>https://www.bgbau.de/themen/sicherheit-und-gesundheit/ergonomisches-arbeiten/buero-und-bildschirmarbeitsplaetze/idealer-bildschirmarbeitsplatz/</a:t>
             </a:r>
           </a:p>
         </p:txBody>
